--- a/betchaBooking-USECASE.pptx
+++ b/betchaBooking-USECASE.pptx
@@ -47,15 +47,15 @@
     <p:sldId id="295" r:id="rId41"/>
     <p:sldId id="296" r:id="rId42"/>
     <p:sldId id="297" r:id="rId43"/>
-    <p:sldId id="300" r:id="rId44"/>
-    <p:sldId id="299" r:id="rId45"/>
-    <p:sldId id="306" r:id="rId46"/>
-    <p:sldId id="307" r:id="rId47"/>
-    <p:sldId id="302" r:id="rId48"/>
-    <p:sldId id="308" r:id="rId49"/>
-    <p:sldId id="301" r:id="rId50"/>
-    <p:sldId id="303" r:id="rId51"/>
-    <p:sldId id="309" r:id="rId52"/>
+    <p:sldId id="299" r:id="rId44"/>
+    <p:sldId id="300" r:id="rId45"/>
+    <p:sldId id="309" r:id="rId46"/>
+    <p:sldId id="306" r:id="rId47"/>
+    <p:sldId id="307" r:id="rId48"/>
+    <p:sldId id="302" r:id="rId49"/>
+    <p:sldId id="308" r:id="rId50"/>
+    <p:sldId id="301" r:id="rId51"/>
+    <p:sldId id="303" r:id="rId52"/>
     <p:sldId id="304" r:id="rId53"/>
   </p:sldIdLst>
   <p:sldSz cx="12192000" cy="6858000"/>
@@ -4353,7 +4353,7 @@
             </a:pPr>
             <a:r>
               <a:rPr lang="en-US" sz="2000" b="1" dirty="0"/>
-              <a:t>Toggle(Employees or Guest)</a:t>
+              <a:t>Toggle(Admin, Employees or Guest)</a:t>
             </a:r>
           </a:p>
           <a:p>
@@ -4770,6 +4770,17 @@
               <a:buChar char="•"/>
             </a:pPr>
             <a:r>
+              <a:rPr lang="en-US" sz="2000" b="1" dirty="0" err="1"/>
+              <a:t>CurrentPasword</a:t>
+            </a:r>
+            <a:endParaRPr lang="en-US" sz="2000" b="1" dirty="0"/>
+          </a:p>
+          <a:p>
+            <a:pPr marL="1714500" lvl="3" indent="-342900">
+              <a:buFont typeface="Arial" panose="020B0604020202020204" pitchFamily="34" charset="0"/>
+              <a:buChar char="•"/>
+            </a:pPr>
+            <a:r>
               <a:rPr lang="en-US" sz="2000" b="1" dirty="0"/>
               <a:t>Enter New Password</a:t>
             </a:r>
@@ -4782,6 +4793,20 @@
             <a:r>
               <a:rPr lang="en-US" sz="2000" b="1" dirty="0"/>
               <a:t>Confirm Password</a:t>
+            </a:r>
+          </a:p>
+          <a:p>
+            <a:pPr marL="1714500" lvl="3" indent="-342900">
+              <a:buFont typeface="Arial" panose="020B0604020202020204" pitchFamily="34" charset="0"/>
+              <a:buChar char="•"/>
+            </a:pPr>
+            <a:r>
+              <a:rPr lang="en-US" sz="2000" b="1" dirty="0" err="1"/>
+              <a:t>forgotPasswordBtn</a:t>
+            </a:r>
+            <a:r>
+              <a:rPr lang="en-US" sz="2000" b="1" dirty="0"/>
+              <a:t> : forgotPassword.html</a:t>
             </a:r>
           </a:p>
           <a:p>
@@ -10142,8 +10167,8 @@
         </p:nvSpPr>
         <p:spPr>
           <a:xfrm>
-            <a:off x="5606126" y="1282005"/>
-            <a:ext cx="6253364" cy="4293989"/>
+            <a:off x="5606126" y="914401"/>
+            <a:ext cx="6253364" cy="4661594"/>
           </a:xfrm>
           <a:prstGeom prst="roundRect">
             <a:avLst>
@@ -10216,6 +10241,24 @@
             <a:r>
               <a:rPr lang="en-US" sz="2000" b="1" dirty="0"/>
               <a:t>Content : text input (min char)</a:t>
+            </a:r>
+          </a:p>
+          <a:p>
+            <a:pPr marL="1257300" lvl="2" indent="-342900">
+              <a:buFont typeface="Arial" panose="020B0604020202020204" pitchFamily="34" charset="0"/>
+              <a:buChar char="•"/>
+            </a:pPr>
+            <a:r>
+              <a:rPr lang="en-US" sz="2000" b="1" dirty="0"/>
+              <a:t>Upload: </a:t>
+            </a:r>
+            <a:r>
+              <a:rPr lang="en-US" sz="2000" b="1" dirty="0" err="1"/>
+              <a:t>BgImage</a:t>
+            </a:r>
+            <a:r>
+              <a:rPr lang="en-US" sz="2000" b="1" dirty="0"/>
+              <a:t> (set a mins-max size of image required)</a:t>
             </a:r>
           </a:p>
           <a:p>
@@ -12056,80 +12099,15 @@
             </a:r>
           </a:p>
           <a:p>
-            <a:pPr lvl="1"/>
-            <a:r>
-              <a:rPr lang="en-US" sz="2000" b="1" dirty="0"/>
-              <a:t>}</a:t>
-            </a:r>
-          </a:p>
-          <a:p>
-            <a:pPr marL="800100" lvl="1" indent="-342900">
+            <a:pPr marL="1257300" lvl="2" indent="-342900">
               <a:buFont typeface="Arial" panose="020B0604020202020204" pitchFamily="34" charset="0"/>
               <a:buChar char="•"/>
             </a:pPr>
             <a:r>
               <a:rPr lang="en-US" sz="2000" b="1" dirty="0" err="1"/>
-              <a:t>editPasswordBtn</a:t>
-            </a:r>
-            <a:r>
-              <a:rPr lang="en-US" sz="2000" b="1" dirty="0"/>
-              <a:t>{</a:t>
-            </a:r>
-          </a:p>
-          <a:p>
-            <a:pPr marL="1257300" lvl="2" indent="-342900">
-              <a:buFont typeface="Arial" panose="020B0604020202020204" pitchFamily="34" charset="0"/>
-              <a:buChar char="•"/>
-            </a:pPr>
-            <a:r>
-              <a:rPr lang="en-US" sz="2000" b="1" dirty="0" err="1"/>
-              <a:t>modalEditPassword</a:t>
-            </a:r>
-            <a:r>
-              <a:rPr lang="en-US" sz="2000" b="1" dirty="0"/>
-              <a:t>(</a:t>
-            </a:r>
-          </a:p>
-          <a:p>
-            <a:pPr marL="1714500" lvl="3" indent="-342900">
-              <a:buFont typeface="Arial" panose="020B0604020202020204" pitchFamily="34" charset="0"/>
-              <a:buChar char="•"/>
-            </a:pPr>
-            <a:r>
-              <a:rPr lang="en-US" sz="2000" b="1" dirty="0"/>
-              <a:t>Enter New Password</a:t>
-            </a:r>
-          </a:p>
-          <a:p>
-            <a:pPr marL="1714500" lvl="3" indent="-342900">
-              <a:buFont typeface="Arial" panose="020B0604020202020204" pitchFamily="34" charset="0"/>
-              <a:buChar char="•"/>
-            </a:pPr>
-            <a:r>
-              <a:rPr lang="en-US" sz="2000" b="1" dirty="0"/>
-              <a:t>Confirm Password</a:t>
-            </a:r>
-          </a:p>
-          <a:p>
-            <a:pPr marL="1714500" lvl="3" indent="-342900">
-              <a:buFont typeface="Arial" panose="020B0604020202020204" pitchFamily="34" charset="0"/>
-              <a:buChar char="•"/>
-            </a:pPr>
-            <a:r>
-              <a:rPr lang="en-US" sz="2000" b="1" dirty="0" err="1"/>
-              <a:t>Btnconfirm</a:t>
-            </a:r>
-            <a:r>
-              <a:rPr lang="en-US" sz="2000" b="1" dirty="0"/>
-              <a:t>(API update password)</a:t>
-            </a:r>
-          </a:p>
-          <a:p>
-            <a:pPr lvl="2"/>
-            <a:r>
-              <a:rPr lang="en-US" sz="2000" b="1" dirty="0"/>
-              <a:t>)</a:t>
-            </a:r>
+              <a:t>Fullname</a:t>
+            </a:r>
+            <a:endParaRPr lang="en-US" sz="2000" b="1" dirty="0"/>
           </a:p>
           <a:p>
             <a:pPr lvl="1"/>
@@ -12479,25 +12457,7 @@
             </a:pPr>
             <a:r>
               <a:rPr lang="en-US" b="1" dirty="0"/>
-              <a:t>Month (</a:t>
-            </a:r>
-            <a:r>
-              <a:rPr lang="en-US" b="1" dirty="0" err="1"/>
-              <a:t>jan</a:t>
-            </a:r>
-            <a:r>
-              <a:rPr lang="en-US" b="1" dirty="0"/>
-              <a:t>-dec)</a:t>
-            </a:r>
-          </a:p>
-          <a:p>
-            <a:pPr marL="1200150" lvl="2" indent="-285750">
-              <a:buFont typeface="Arial" panose="020B0604020202020204" pitchFamily="34" charset="0"/>
-              <a:buChar char="•"/>
-            </a:pPr>
-            <a:r>
-              <a:rPr lang="en-US" b="1" dirty="0"/>
-              <a:t>Year (start of production, and current production)</a:t>
+              <a:t>Month (year), quarterly (year), semi-annual (year) , annual (year)</a:t>
             </a:r>
           </a:p>
           <a:p>
@@ -13259,8 +13219,8 @@
         </p:nvSpPr>
         <p:spPr>
           <a:xfrm>
-            <a:off x="122383" y="430447"/>
-            <a:ext cx="7081981" cy="3975298"/>
+            <a:off x="122383" y="267855"/>
+            <a:ext cx="7081981" cy="4137890"/>
           </a:xfrm>
           <a:prstGeom prst="roundRect">
             <a:avLst>
@@ -13406,6 +13366,16 @@
             <a:r>
               <a:rPr lang="en-US" sz="1600" b="1" dirty="0"/>
               <a:t> Today List)</a:t>
+            </a:r>
+          </a:p>
+          <a:p>
+            <a:pPr marL="1200150" lvl="2" indent="-285750">
+              <a:buFont typeface="Arial" panose="020B0604020202020204" pitchFamily="34" charset="0"/>
+              <a:buChar char="•"/>
+            </a:pPr>
+            <a:r>
+              <a:rPr lang="en-US" sz="1600" b="1" dirty="0"/>
+              <a:t>Button : confirmation of check in and cash payment modal</a:t>
             </a:r>
           </a:p>
           <a:p>
@@ -14773,6 +14743,192 @@
       </p:grpSpPr>
       <p:sp>
         <p:nvSpPr>
+          <p:cNvPr id="5" name="Rectangle: Rounded Corners 4">
+            <a:extLst>
+              <a:ext uri="{FF2B5EF4-FFF2-40B4-BE49-F238E27FC236}">
+                <a16:creationId xmlns:a16="http://schemas.microsoft.com/office/drawing/2014/main" id="{BADBB24C-5F57-A411-EB25-4559A2AFDB94}"/>
+              </a:ext>
+            </a:extLst>
+          </p:cNvPr>
+          <p:cNvSpPr/>
+          <p:nvPr/>
+        </p:nvSpPr>
+        <p:spPr>
+          <a:xfrm>
+            <a:off x="1872672" y="1742046"/>
+            <a:ext cx="8446656" cy="3373908"/>
+          </a:xfrm>
+          <a:prstGeom prst="roundRect">
+            <a:avLst>
+              <a:gd name="adj" fmla="val 8182"/>
+            </a:avLst>
+          </a:prstGeom>
+          <a:solidFill>
+            <a:schemeClr val="accent6">
+              <a:lumMod val="50000"/>
+            </a:schemeClr>
+          </a:solidFill>
+          <a:ln>
+            <a:noFill/>
+          </a:ln>
+        </p:spPr>
+        <p:style>
+          <a:lnRef idx="2">
+            <a:schemeClr val="accent1">
+              <a:shade val="15000"/>
+            </a:schemeClr>
+          </a:lnRef>
+          <a:fillRef idx="1">
+            <a:schemeClr val="accent1"/>
+          </a:fillRef>
+          <a:effectRef idx="0">
+            <a:schemeClr val="accent1"/>
+          </a:effectRef>
+          <a:fontRef idx="minor">
+            <a:schemeClr val="lt1"/>
+          </a:fontRef>
+        </p:style>
+        <p:txBody>
+          <a:bodyPr rtlCol="0" anchor="ctr"/>
+          <a:lstStyle/>
+          <a:p>
+            <a:r>
+              <a:rPr lang="en-US" sz="2000" b="1" dirty="0"/>
+              <a:t>Dashboard : Featured Property auto scroll{</a:t>
+            </a:r>
+          </a:p>
+          <a:p>
+            <a:pPr marL="800100" lvl="1" indent="-342900">
+              <a:buFont typeface="Arial" panose="020B0604020202020204" pitchFamily="34" charset="0"/>
+              <a:buChar char="•"/>
+            </a:pPr>
+            <a:r>
+              <a:rPr lang="en-US" sz="2000" b="1" dirty="0"/>
+              <a:t>List 6 Property w/ button : {guestViewProperty.html} </a:t>
+            </a:r>
+          </a:p>
+          <a:p>
+            <a:r>
+              <a:rPr lang="en-US" sz="2000" b="1" dirty="0"/>
+              <a:t>}</a:t>
+            </a:r>
+          </a:p>
+          <a:p>
+            <a:endParaRPr lang="en-US" sz="2000" b="1" dirty="0"/>
+          </a:p>
+          <a:p>
+            <a:r>
+              <a:rPr lang="en-US" sz="2000" b="1" dirty="0" err="1"/>
+              <a:t>Catergory</a:t>
+            </a:r>
+            <a:r>
+              <a:rPr lang="en-US" sz="2000" b="1" dirty="0"/>
+              <a:t> of property (Top Rated, </a:t>
+            </a:r>
+            <a:r>
+              <a:rPr lang="en-US" sz="2000" b="1" dirty="0" err="1"/>
+              <a:t>barkada</a:t>
+            </a:r>
+            <a:r>
+              <a:rPr lang="en-US" sz="2000" b="1" dirty="0"/>
+              <a:t>, family, couple, &amp; others){</a:t>
+            </a:r>
+          </a:p>
+          <a:p>
+            <a:pPr marL="800100" lvl="1" indent="-342900">
+              <a:buFont typeface="Arial" panose="020B0604020202020204" pitchFamily="34" charset="0"/>
+              <a:buChar char="•"/>
+            </a:pPr>
+            <a:r>
+              <a:rPr lang="en-US" sz="2000" b="1" dirty="0"/>
+              <a:t>List of property (Picture, Name, Address, Price/Day)</a:t>
+            </a:r>
+          </a:p>
+          <a:p>
+            <a:pPr marL="800100" lvl="1" indent="-342900">
+              <a:buFont typeface="Arial" panose="020B0604020202020204" pitchFamily="34" charset="0"/>
+              <a:buChar char="•"/>
+            </a:pPr>
+            <a:r>
+              <a:rPr lang="en-US" sz="2000" b="1" dirty="0"/>
+              <a:t>Onclick {guestViewProperty.html}</a:t>
+            </a:r>
+          </a:p>
+          <a:p>
+            <a:r>
+              <a:rPr lang="en-US" sz="2000" b="1" dirty="0"/>
+              <a:t>}</a:t>
+            </a:r>
+          </a:p>
+        </p:txBody>
+      </p:sp>
+      <p:sp>
+        <p:nvSpPr>
+          <p:cNvPr id="4" name="TextBox 3">
+            <a:extLst>
+              <a:ext uri="{FF2B5EF4-FFF2-40B4-BE49-F238E27FC236}">
+                <a16:creationId xmlns:a16="http://schemas.microsoft.com/office/drawing/2014/main" id="{F259B9EF-2882-3D95-7422-68A27385F852}"/>
+              </a:ext>
+            </a:extLst>
+          </p:cNvPr>
+          <p:cNvSpPr txBox="1"/>
+          <p:nvPr/>
+        </p:nvSpPr>
+        <p:spPr>
+          <a:xfrm>
+            <a:off x="-1" y="0"/>
+            <a:ext cx="4341092" cy="400110"/>
+          </a:xfrm>
+          <a:prstGeom prst="rect">
+            <a:avLst/>
+          </a:prstGeom>
+          <a:noFill/>
+        </p:spPr>
+        <p:txBody>
+          <a:bodyPr wrap="square" rtlCol="0">
+            <a:spAutoFit/>
+          </a:bodyPr>
+          <a:lstStyle/>
+          <a:p>
+            <a:r>
+              <a:rPr lang="en-US" sz="2000" b="1" dirty="0"/>
+              <a:t>guestDashboard.html</a:t>
+            </a:r>
+          </a:p>
+        </p:txBody>
+      </p:sp>
+    </p:spTree>
+    <p:extLst>
+      <p:ext uri="{BB962C8B-B14F-4D97-AF65-F5344CB8AC3E}">
+        <p14:creationId xmlns:p14="http://schemas.microsoft.com/office/powerpoint/2010/main" val="1450779734"/>
+      </p:ext>
+    </p:extLst>
+  </p:cSld>
+  <p:clrMapOvr>
+    <a:masterClrMapping/>
+  </p:clrMapOvr>
+</p:sld>
+</file>
+
+<file path=ppt/slides/slide44.xml><?xml version="1.0" encoding="utf-8"?>
+<p:sld xmlns:a="http://schemas.openxmlformats.org/drawingml/2006/main" xmlns:r="http://schemas.openxmlformats.org/officeDocument/2006/relationships" xmlns:p="http://schemas.openxmlformats.org/presentationml/2006/main">
+  <p:cSld>
+    <p:spTree>
+      <p:nvGrpSpPr>
+        <p:cNvPr id="1" name=""/>
+        <p:cNvGrpSpPr/>
+        <p:nvPr/>
+      </p:nvGrpSpPr>
+      <p:grpSpPr>
+        <a:xfrm>
+          <a:off x="0" y="0"/>
+          <a:ext cx="0" cy="0"/>
+          <a:chOff x="0" y="0"/>
+          <a:chExt cx="0" cy="0"/>
+        </a:xfrm>
+      </p:grpSpPr>
+      <p:sp>
+        <p:nvSpPr>
           <p:cNvPr id="7" name="TextBox 6">
             <a:extLst>
               <a:ext uri="{FF2B5EF4-FFF2-40B4-BE49-F238E27FC236}">
@@ -14900,7 +15056,7 @@
 </p:sld>
 </file>
 
-<file path=ppt/slides/slide44.xml><?xml version="1.0" encoding="utf-8"?>
+<file path=ppt/slides/slide45.xml><?xml version="1.0" encoding="utf-8"?>
 <p:sld xmlns:a="http://schemas.openxmlformats.org/drawingml/2006/main" xmlns:r="http://schemas.openxmlformats.org/officeDocument/2006/relationships" xmlns:p="http://schemas.openxmlformats.org/presentationml/2006/main">
   <p:cSld>
     <p:spTree>
@@ -14919,10 +15075,10 @@
       </p:grpSpPr>
       <p:sp>
         <p:nvSpPr>
-          <p:cNvPr id="5" name="Rectangle: Rounded Corners 4">
-            <a:extLst>
-              <a:ext uri="{FF2B5EF4-FFF2-40B4-BE49-F238E27FC236}">
-                <a16:creationId xmlns:a16="http://schemas.microsoft.com/office/drawing/2014/main" id="{BADBB24C-5F57-A411-EB25-4559A2AFDB94}"/>
+          <p:cNvPr id="9" name="Rectangle: Rounded Corners 8">
+            <a:extLst>
+              <a:ext uri="{FF2B5EF4-FFF2-40B4-BE49-F238E27FC236}">
+                <a16:creationId xmlns:a16="http://schemas.microsoft.com/office/drawing/2014/main" id="{CD27AA3B-0DC5-382F-3A91-2339EC339FE6}"/>
               </a:ext>
             </a:extLst>
           </p:cNvPr>
@@ -14931,8 +15087,234 @@
         </p:nvSpPr>
         <p:spPr>
           <a:xfrm>
-            <a:off x="1872672" y="1742046"/>
-            <a:ext cx="8446656" cy="3373908"/>
+            <a:off x="69272" y="101600"/>
+            <a:ext cx="6599383" cy="6456218"/>
+          </a:xfrm>
+          <a:prstGeom prst="roundRect">
+            <a:avLst>
+              <a:gd name="adj" fmla="val 3175"/>
+            </a:avLst>
+          </a:prstGeom>
+          <a:solidFill>
+            <a:schemeClr val="accent6">
+              <a:lumMod val="50000"/>
+            </a:schemeClr>
+          </a:solidFill>
+          <a:ln>
+            <a:noFill/>
+          </a:ln>
+        </p:spPr>
+        <p:style>
+          <a:lnRef idx="2">
+            <a:schemeClr val="accent1">
+              <a:shade val="15000"/>
+            </a:schemeClr>
+          </a:lnRef>
+          <a:fillRef idx="1">
+            <a:schemeClr val="accent1"/>
+          </a:fillRef>
+          <a:effectRef idx="0">
+            <a:schemeClr val="accent1"/>
+          </a:effectRef>
+          <a:fontRef idx="minor">
+            <a:schemeClr val="lt1"/>
+          </a:fontRef>
+        </p:style>
+        <p:txBody>
+          <a:bodyPr rtlCol="0" anchor="ctr"/>
+          <a:lstStyle/>
+          <a:p>
+            <a:r>
+              <a:rPr lang="en-US" sz="1400" b="1" dirty="0"/>
+              <a:t>// same as before revamp the design</a:t>
+            </a:r>
+          </a:p>
+          <a:p>
+            <a:r>
+              <a:rPr lang="en-US" sz="1400" b="1" dirty="0"/>
+              <a:t>guestViewProperty.html {</a:t>
+            </a:r>
+          </a:p>
+          <a:p>
+            <a:r>
+              <a:rPr lang="en-US" sz="1400" b="1" dirty="0"/>
+              <a:t>	section 3 </a:t>
+            </a:r>
+            <a:r>
+              <a:rPr lang="en-US" sz="1400" b="1" dirty="0" err="1"/>
+              <a:t>eployeePM</a:t>
+            </a:r>
+            <a:r>
+              <a:rPr lang="en-US" sz="1400" b="1" dirty="0"/>
+              <a:t> cash check in</a:t>
+            </a:r>
+          </a:p>
+          <a:p>
+            <a:endParaRPr lang="en-US" sz="1400" b="1" dirty="0"/>
+          </a:p>
+          <a:p>
+            <a:r>
+              <a:rPr lang="en-US" sz="1400" b="1" dirty="0"/>
+              <a:t>delete slide 50</a:t>
+            </a:r>
+          </a:p>
+          <a:p>
+            <a:endParaRPr lang="en-US" sz="1400" b="1" dirty="0"/>
+          </a:p>
+          <a:p>
+            <a:r>
+              <a:rPr lang="en-US" sz="1400" b="1" dirty="0"/>
+              <a:t>Photos </a:t>
+            </a:r>
+          </a:p>
+          <a:p>
+            <a:r>
+              <a:rPr lang="en-US" sz="1400" b="1" dirty="0"/>
+              <a:t>Name </a:t>
+            </a:r>
+          </a:p>
+          <a:p>
+            <a:r>
+              <a:rPr lang="en-US" sz="1400" b="1" dirty="0"/>
+              <a:t>Address </a:t>
+            </a:r>
+          </a:p>
+          <a:p>
+            <a:r>
+              <a:rPr lang="en-US" sz="1400" b="1" dirty="0"/>
+              <a:t>Map</a:t>
+            </a:r>
+          </a:p>
+          <a:p>
+            <a:r>
+              <a:rPr lang="en-US" sz="1400" b="1" dirty="0"/>
+              <a:t>Description </a:t>
+            </a:r>
+          </a:p>
+          <a:p>
+            <a:r>
+              <a:rPr lang="en-US" sz="1400" b="1" dirty="0"/>
+              <a:t>Package Capacity - maximum capacity</a:t>
+            </a:r>
+          </a:p>
+          <a:p>
+            <a:r>
+              <a:rPr lang="en-US" sz="1400" b="1" dirty="0"/>
+              <a:t>Time of </a:t>
+            </a:r>
+            <a:r>
+              <a:rPr lang="en-US" sz="1400" b="1" dirty="0" err="1"/>
+              <a:t>CheckIn&amp;Out</a:t>
+            </a:r>
+            <a:endParaRPr lang="en-US" sz="1400" b="1" dirty="0"/>
+          </a:p>
+          <a:p>
+            <a:r>
+              <a:rPr lang="en-US" sz="1400" b="1" dirty="0"/>
+              <a:t>Category : select (</a:t>
+            </a:r>
+            <a:r>
+              <a:rPr lang="en-US" sz="1400" b="1" dirty="0" err="1"/>
+              <a:t>Barkada</a:t>
+            </a:r>
+            <a:r>
+              <a:rPr lang="en-US" sz="1400" b="1" dirty="0"/>
+              <a:t>, Couple, Family, Other)</a:t>
+            </a:r>
+          </a:p>
+          <a:p>
+            <a:endParaRPr lang="en-US" sz="1400" b="1" dirty="0"/>
+          </a:p>
+          <a:p>
+            <a:r>
+              <a:rPr lang="en-US" sz="1400" b="1" dirty="0"/>
+              <a:t>Package Price : Currency/Number w/ peso sign </a:t>
+            </a:r>
+          </a:p>
+          <a:p>
+            <a:r>
+              <a:rPr lang="en-US" sz="1400" b="1" dirty="0"/>
+              <a:t>Reservation Fee : Currency/Number w/ peso sign </a:t>
+            </a:r>
+          </a:p>
+          <a:p>
+            <a:r>
+              <a:rPr lang="en-US" sz="1400" b="1" dirty="0"/>
+              <a:t>Additional Pax Price: Currency/Number w/ peso sign </a:t>
+            </a:r>
+          </a:p>
+          <a:p>
+            <a:r>
+              <a:rPr lang="en-US" sz="1400" b="1" dirty="0"/>
+              <a:t>Discount </a:t>
+            </a:r>
+          </a:p>
+          <a:p>
+            <a:endParaRPr lang="en-US" sz="1400" b="1" dirty="0"/>
+          </a:p>
+          <a:p>
+            <a:r>
+              <a:rPr lang="en-US" sz="1400" b="1" dirty="0"/>
+              <a:t>Amenities</a:t>
+            </a:r>
+          </a:p>
+          <a:p>
+            <a:r>
+              <a:rPr lang="en-US" sz="1400" b="1" dirty="0"/>
+              <a:t>Other Amenities </a:t>
+            </a:r>
+          </a:p>
+          <a:p>
+            <a:endParaRPr lang="en-US" sz="1400" b="1" dirty="0"/>
+          </a:p>
+          <a:p>
+            <a:r>
+              <a:rPr lang="en-US" sz="1400" b="1" dirty="0"/>
+              <a:t>Calendar</a:t>
+            </a:r>
+          </a:p>
+          <a:p>
+            <a:endParaRPr lang="en-US" sz="1400" b="1" dirty="0"/>
+          </a:p>
+          <a:p>
+            <a:r>
+              <a:rPr lang="en-US" sz="1400" b="1" dirty="0"/>
+              <a:t>book button</a:t>
+            </a:r>
+          </a:p>
+          <a:p>
+            <a:endParaRPr lang="en-US" sz="1400" b="1" dirty="0"/>
+          </a:p>
+          <a:p>
+            <a:r>
+              <a:rPr lang="en-US" sz="1400" b="1" dirty="0"/>
+              <a:t>Review scale</a:t>
+            </a:r>
+          </a:p>
+          <a:p>
+            <a:r>
+              <a:rPr lang="en-US" sz="1400" b="1" dirty="0"/>
+              <a:t>}</a:t>
+            </a:r>
+          </a:p>
+        </p:txBody>
+      </p:sp>
+      <p:sp>
+        <p:nvSpPr>
+          <p:cNvPr id="2" name="Rectangle: Rounded Corners 1">
+            <a:extLst>
+              <a:ext uri="{FF2B5EF4-FFF2-40B4-BE49-F238E27FC236}">
+                <a16:creationId xmlns:a16="http://schemas.microsoft.com/office/drawing/2014/main" id="{4617DFCC-1807-A537-ABB4-FA14E60609A5}"/>
+              </a:ext>
+            </a:extLst>
+          </p:cNvPr>
+          <p:cNvSpPr/>
+          <p:nvPr/>
+        </p:nvSpPr>
+        <p:spPr>
+          <a:xfrm>
+            <a:off x="6890326" y="2750127"/>
+            <a:ext cx="3962401" cy="1357745"/>
           </a:xfrm>
           <a:prstGeom prst="roundRect">
             <a:avLst>
@@ -14969,106 +15351,28 @@
           <a:lstStyle/>
           <a:p>
             <a:r>
-              <a:rPr lang="en-US" sz="2000" b="1" dirty="0"/>
-              <a:t>Dashboard : Featured Property auto scroll{</a:t>
-            </a:r>
-          </a:p>
-          <a:p>
-            <a:pPr marL="800100" lvl="1" indent="-342900">
-              <a:buFont typeface="Arial" panose="020B0604020202020204" pitchFamily="34" charset="0"/>
-              <a:buChar char="•"/>
-            </a:pPr>
-            <a:r>
-              <a:rPr lang="en-US" sz="2000" b="1" dirty="0"/>
-              <a:t>List 6 Property w/ button : {guestViewProperty.html} </a:t>
-            </a:r>
-          </a:p>
-          <a:p>
-            <a:r>
-              <a:rPr lang="en-US" sz="2000" b="1" dirty="0"/>
+              <a:rPr lang="en-US" sz="1600" b="1" dirty="0"/>
+              <a:t>guestConfirmReservation.html{</a:t>
+            </a:r>
+          </a:p>
+          <a:p>
+            <a:pPr marL="628650" lvl="1" indent="-171450">
+              <a:buFont typeface="Arial" panose="020B0604020202020204" pitchFamily="34" charset="0"/>
+              <a:buChar char="•"/>
+            </a:pPr>
+            <a:r>
+              <a:rPr lang="en-US" sz="1600" b="1" dirty="0"/>
+              <a:t>// same as before revamp the design</a:t>
+            </a:r>
+          </a:p>
+          <a:p>
+            <a:pPr lvl="1"/>
+            <a:endParaRPr lang="en-US" sz="1600" b="1" dirty="0"/>
+          </a:p>
+          <a:p>
+            <a:r>
+              <a:rPr lang="en-US" sz="1600" b="1" dirty="0"/>
               <a:t>}</a:t>
-            </a:r>
-          </a:p>
-          <a:p>
-            <a:endParaRPr lang="en-US" sz="2000" b="1" dirty="0"/>
-          </a:p>
-          <a:p>
-            <a:r>
-              <a:rPr lang="en-US" sz="2000" b="1" dirty="0" err="1"/>
-              <a:t>Catergory</a:t>
-            </a:r>
-            <a:r>
-              <a:rPr lang="en-US" sz="2000" b="1" dirty="0"/>
-              <a:t> of property (Top Rated, </a:t>
-            </a:r>
-            <a:r>
-              <a:rPr lang="en-US" sz="2000" b="1" dirty="0" err="1"/>
-              <a:t>barkada</a:t>
-            </a:r>
-            <a:r>
-              <a:rPr lang="en-US" sz="2000" b="1" dirty="0"/>
-              <a:t>, family, couple, &amp; others){</a:t>
-            </a:r>
-          </a:p>
-          <a:p>
-            <a:pPr marL="800100" lvl="1" indent="-342900">
-              <a:buFont typeface="Arial" panose="020B0604020202020204" pitchFamily="34" charset="0"/>
-              <a:buChar char="•"/>
-            </a:pPr>
-            <a:r>
-              <a:rPr lang="en-US" sz="2000" b="1" dirty="0"/>
-              <a:t>List of property (Picture, Name, Address, Price/Day)</a:t>
-            </a:r>
-          </a:p>
-          <a:p>
-            <a:pPr marL="800100" lvl="1" indent="-342900">
-              <a:buFont typeface="Arial" panose="020B0604020202020204" pitchFamily="34" charset="0"/>
-              <a:buChar char="•"/>
-            </a:pPr>
-            <a:r>
-              <a:rPr lang="en-US" sz="2000" b="1" dirty="0"/>
-              <a:t>Onclick {guestViewProperty.html}</a:t>
-            </a:r>
-          </a:p>
-          <a:p>
-            <a:r>
-              <a:rPr lang="en-US" sz="2000" b="1" dirty="0"/>
-              <a:t>}</a:t>
-            </a:r>
-          </a:p>
-        </p:txBody>
-      </p:sp>
-      <p:sp>
-        <p:nvSpPr>
-          <p:cNvPr id="4" name="TextBox 3">
-            <a:extLst>
-              <a:ext uri="{FF2B5EF4-FFF2-40B4-BE49-F238E27FC236}">
-                <a16:creationId xmlns:a16="http://schemas.microsoft.com/office/drawing/2014/main" id="{F259B9EF-2882-3D95-7422-68A27385F852}"/>
-              </a:ext>
-            </a:extLst>
-          </p:cNvPr>
-          <p:cNvSpPr txBox="1"/>
-          <p:nvPr/>
-        </p:nvSpPr>
-        <p:spPr>
-          <a:xfrm>
-            <a:off x="-1" y="0"/>
-            <a:ext cx="4341092" cy="400110"/>
-          </a:xfrm>
-          <a:prstGeom prst="rect">
-            <a:avLst/>
-          </a:prstGeom>
-          <a:noFill/>
-        </p:spPr>
-        <p:txBody>
-          <a:bodyPr wrap="square" rtlCol="0">
-            <a:spAutoFit/>
-          </a:bodyPr>
-          <a:lstStyle/>
-          <a:p>
-            <a:r>
-              <a:rPr lang="en-US" sz="2000" b="1" dirty="0"/>
-              <a:t>guestDashboard.html</a:t>
             </a:r>
           </a:p>
         </p:txBody>
@@ -15076,7 +15380,7 @@
     </p:spTree>
     <p:extLst>
       <p:ext uri="{BB962C8B-B14F-4D97-AF65-F5344CB8AC3E}">
-        <p14:creationId xmlns:p14="http://schemas.microsoft.com/office/powerpoint/2010/main" val="1450779734"/>
+        <p14:creationId xmlns:p14="http://schemas.microsoft.com/office/powerpoint/2010/main" val="278536806"/>
       </p:ext>
     </p:extLst>
   </p:cSld>
@@ -15086,7 +15390,7 @@
 </p:sld>
 </file>
 
-<file path=ppt/slides/slide45.xml><?xml version="1.0" encoding="utf-8"?>
+<file path=ppt/slides/slide46.xml><?xml version="1.0" encoding="utf-8"?>
 <p:sld xmlns:a="http://schemas.openxmlformats.org/drawingml/2006/main" xmlns:r="http://schemas.openxmlformats.org/officeDocument/2006/relationships" xmlns:p="http://schemas.openxmlformats.org/presentationml/2006/main">
   <p:cSld>
     <p:spTree>
@@ -15380,7 +15684,7 @@
 </p:sld>
 </file>
 
-<file path=ppt/slides/slide46.xml><?xml version="1.0" encoding="utf-8"?>
+<file path=ppt/slides/slide47.xml><?xml version="1.0" encoding="utf-8"?>
 <p:sld xmlns:a="http://schemas.openxmlformats.org/drawingml/2006/main" xmlns:r="http://schemas.openxmlformats.org/officeDocument/2006/relationships" xmlns:p="http://schemas.openxmlformats.org/presentationml/2006/main">
   <p:cSld>
     <p:spTree>
@@ -15588,6 +15892,16 @@
             </a:pPr>
             <a:r>
               <a:rPr lang="en-US" sz="2000" b="1" dirty="0"/>
+              <a:t>Enter Current Password</a:t>
+            </a:r>
+          </a:p>
+          <a:p>
+            <a:pPr marL="1714500" lvl="3" indent="-342900">
+              <a:buFont typeface="Arial" panose="020B0604020202020204" pitchFamily="34" charset="0"/>
+              <a:buChar char="•"/>
+            </a:pPr>
+            <a:r>
+              <a:rPr lang="en-US" sz="2000" b="1" dirty="0"/>
               <a:t>Enter New Password</a:t>
             </a:r>
           </a:p>
@@ -15599,6 +15913,20 @@
             <a:r>
               <a:rPr lang="en-US" sz="2000" b="1" dirty="0"/>
               <a:t>Confirm Password</a:t>
+            </a:r>
+          </a:p>
+          <a:p>
+            <a:pPr marL="1714500" lvl="3" indent="-342900">
+              <a:buFont typeface="Arial" panose="020B0604020202020204" pitchFamily="34" charset="0"/>
+              <a:buChar char="•"/>
+            </a:pPr>
+            <a:r>
+              <a:rPr lang="en-US" sz="2000" b="1" dirty="0" err="1"/>
+              <a:t>forgotPasswordBtn</a:t>
+            </a:r>
+            <a:r>
+              <a:rPr lang="en-US" sz="2000" b="1" dirty="0"/>
+              <a:t> : ForgotPassword.html</a:t>
             </a:r>
           </a:p>
           <a:p>
@@ -15661,7 +15989,7 @@
 </p:sld>
 </file>
 
-<file path=ppt/slides/slide47.xml><?xml version="1.0" encoding="utf-8"?>
+<file path=ppt/slides/slide48.xml><?xml version="1.0" encoding="utf-8"?>
 <p:sld xmlns:a="http://schemas.openxmlformats.org/drawingml/2006/main" xmlns:r="http://schemas.openxmlformats.org/officeDocument/2006/relationships" xmlns:p="http://schemas.openxmlformats.org/presentationml/2006/main">
   <p:cSld>
     <p:spTree>
@@ -15940,7 +16268,7 @@
 </p:sld>
 </file>
 
-<file path=ppt/slides/slide48.xml><?xml version="1.0" encoding="utf-8"?>
+<file path=ppt/slides/slide49.xml><?xml version="1.0" encoding="utf-8"?>
 <p:sld xmlns:a="http://schemas.openxmlformats.org/drawingml/2006/main" xmlns:r="http://schemas.openxmlformats.org/officeDocument/2006/relationships" xmlns:p="http://schemas.openxmlformats.org/presentationml/2006/main">
   <p:cSld>
     <p:spTree>
@@ -16140,165 +16468,6 @@
 </p:sld>
 </file>
 
-<file path=ppt/slides/slide49.xml><?xml version="1.0" encoding="utf-8"?>
-<p:sld xmlns:a="http://schemas.openxmlformats.org/drawingml/2006/main" xmlns:r="http://schemas.openxmlformats.org/officeDocument/2006/relationships" xmlns:p="http://schemas.openxmlformats.org/presentationml/2006/main">
-  <p:cSld>
-    <p:spTree>
-      <p:nvGrpSpPr>
-        <p:cNvPr id="1" name=""/>
-        <p:cNvGrpSpPr/>
-        <p:nvPr/>
-      </p:nvGrpSpPr>
-      <p:grpSpPr>
-        <a:xfrm>
-          <a:off x="0" y="0"/>
-          <a:ext cx="0" cy="0"/>
-          <a:chOff x="0" y="0"/>
-          <a:chExt cx="0" cy="0"/>
-        </a:xfrm>
-      </p:grpSpPr>
-      <p:sp>
-        <p:nvSpPr>
-          <p:cNvPr id="5" name="Rectangle: Rounded Corners 4">
-            <a:extLst>
-              <a:ext uri="{FF2B5EF4-FFF2-40B4-BE49-F238E27FC236}">
-                <a16:creationId xmlns:a16="http://schemas.microsoft.com/office/drawing/2014/main" id="{BADBB24C-5F57-A411-EB25-4559A2AFDB94}"/>
-              </a:ext>
-            </a:extLst>
-          </p:cNvPr>
-          <p:cNvSpPr/>
-          <p:nvPr/>
-        </p:nvSpPr>
-        <p:spPr>
-          <a:xfrm>
-            <a:off x="4217554" y="2540248"/>
-            <a:ext cx="3756892" cy="1777504"/>
-          </a:xfrm>
-          <a:prstGeom prst="roundRect">
-            <a:avLst>
-              <a:gd name="adj" fmla="val 8182"/>
-            </a:avLst>
-          </a:prstGeom>
-          <a:solidFill>
-            <a:schemeClr val="accent6">
-              <a:lumMod val="50000"/>
-            </a:schemeClr>
-          </a:solidFill>
-          <a:ln>
-            <a:noFill/>
-          </a:ln>
-        </p:spPr>
-        <p:style>
-          <a:lnRef idx="2">
-            <a:schemeClr val="accent1">
-              <a:shade val="15000"/>
-            </a:schemeClr>
-          </a:lnRef>
-          <a:fillRef idx="1">
-            <a:schemeClr val="accent1"/>
-          </a:fillRef>
-          <a:effectRef idx="0">
-            <a:schemeClr val="accent1"/>
-          </a:effectRef>
-          <a:fontRef idx="minor">
-            <a:schemeClr val="lt1"/>
-          </a:fontRef>
-        </p:style>
-        <p:txBody>
-          <a:bodyPr rtlCol="0" anchor="ctr"/>
-          <a:lstStyle/>
-          <a:p>
-            <a:r>
-              <a:rPr lang="en-US" b="1" dirty="0"/>
-              <a:t>{</a:t>
-            </a:r>
-          </a:p>
-          <a:p>
-            <a:pPr marL="742950" lvl="1" indent="-285750">
-              <a:buFont typeface="Arial" panose="020B0604020202020204" pitchFamily="34" charset="0"/>
-              <a:buChar char="•"/>
-            </a:pPr>
-            <a:r>
-              <a:rPr lang="en-US" b="1" dirty="0"/>
-              <a:t>Q &amp; A</a:t>
-            </a:r>
-          </a:p>
-          <a:p>
-            <a:pPr marL="742950" lvl="1" indent="-285750">
-              <a:buFont typeface="Arial" panose="020B0604020202020204" pitchFamily="34" charset="0"/>
-              <a:buChar char="•"/>
-            </a:pPr>
-            <a:r>
-              <a:rPr lang="en-US" b="1" dirty="0"/>
-              <a:t>Same as before</a:t>
-            </a:r>
-          </a:p>
-          <a:p>
-            <a:pPr marL="742950" lvl="1" indent="-285750">
-              <a:buFont typeface="Arial" panose="020B0604020202020204" pitchFamily="34" charset="0"/>
-              <a:buChar char="•"/>
-            </a:pPr>
-            <a:r>
-              <a:rPr lang="en-US" b="1" dirty="0"/>
-              <a:t>Revamp the design or keep the OG</a:t>
-            </a:r>
-          </a:p>
-          <a:p>
-            <a:r>
-              <a:rPr lang="en-US" b="1" dirty="0"/>
-              <a:t>}</a:t>
-            </a:r>
-          </a:p>
-        </p:txBody>
-      </p:sp>
-      <p:sp>
-        <p:nvSpPr>
-          <p:cNvPr id="4" name="TextBox 3">
-            <a:extLst>
-              <a:ext uri="{FF2B5EF4-FFF2-40B4-BE49-F238E27FC236}">
-                <a16:creationId xmlns:a16="http://schemas.microsoft.com/office/drawing/2014/main" id="{F259B9EF-2882-3D95-7422-68A27385F852}"/>
-              </a:ext>
-            </a:extLst>
-          </p:cNvPr>
-          <p:cNvSpPr txBox="1"/>
-          <p:nvPr/>
-        </p:nvSpPr>
-        <p:spPr>
-          <a:xfrm>
-            <a:off x="-1" y="0"/>
-            <a:ext cx="4341092" cy="400110"/>
-          </a:xfrm>
-          <a:prstGeom prst="rect">
-            <a:avLst/>
-          </a:prstGeom>
-          <a:noFill/>
-        </p:spPr>
-        <p:txBody>
-          <a:bodyPr wrap="square" rtlCol="0">
-            <a:spAutoFit/>
-          </a:bodyPr>
-          <a:lstStyle/>
-          <a:p>
-            <a:r>
-              <a:rPr lang="en-US" sz="2000" b="1" dirty="0"/>
-              <a:t>guestFAQs.html</a:t>
-            </a:r>
-          </a:p>
-        </p:txBody>
-      </p:sp>
-    </p:spTree>
-    <p:extLst>
-      <p:ext uri="{BB962C8B-B14F-4D97-AF65-F5344CB8AC3E}">
-        <p14:creationId xmlns:p14="http://schemas.microsoft.com/office/powerpoint/2010/main" val="1674249800"/>
-      </p:ext>
-    </p:extLst>
-  </p:cSld>
-  <p:clrMapOvr>
-    <a:masterClrMapping/>
-  </p:clrMapOvr>
-</p:sld>
-</file>
-
 <file path=ppt/slides/slide5.xml><?xml version="1.0" encoding="utf-8"?>
 <p:sld xmlns:a="http://schemas.openxmlformats.org/drawingml/2006/main" xmlns:r="http://schemas.openxmlformats.org/officeDocument/2006/relationships" xmlns:p="http://schemas.openxmlformats.org/presentationml/2006/main">
   <p:cSld>
@@ -16536,7 +16705,15 @@
             </a:pPr>
             <a:r>
               <a:rPr lang="en-US" sz="2000" b="1" dirty="0"/>
-              <a:t>Business Seasonal Editable Text (Title, Content),</a:t>
+              <a:t>Business Seasonal Editable Text (Title, Content, </a:t>
+            </a:r>
+            <a:r>
+              <a:rPr lang="en-US" sz="2000" b="1" dirty="0" err="1"/>
+              <a:t>bgImage</a:t>
+            </a:r>
+            <a:r>
+              <a:rPr lang="en-US" sz="2000" b="1" dirty="0"/>
+              <a:t>),</a:t>
             </a:r>
           </a:p>
           <a:p>
@@ -16867,6 +17044,165 @@
         </p:nvSpPr>
         <p:spPr>
           <a:xfrm>
+            <a:off x="4217554" y="2540248"/>
+            <a:ext cx="3756892" cy="1777504"/>
+          </a:xfrm>
+          <a:prstGeom prst="roundRect">
+            <a:avLst>
+              <a:gd name="adj" fmla="val 8182"/>
+            </a:avLst>
+          </a:prstGeom>
+          <a:solidFill>
+            <a:schemeClr val="accent6">
+              <a:lumMod val="50000"/>
+            </a:schemeClr>
+          </a:solidFill>
+          <a:ln>
+            <a:noFill/>
+          </a:ln>
+        </p:spPr>
+        <p:style>
+          <a:lnRef idx="2">
+            <a:schemeClr val="accent1">
+              <a:shade val="15000"/>
+            </a:schemeClr>
+          </a:lnRef>
+          <a:fillRef idx="1">
+            <a:schemeClr val="accent1"/>
+          </a:fillRef>
+          <a:effectRef idx="0">
+            <a:schemeClr val="accent1"/>
+          </a:effectRef>
+          <a:fontRef idx="minor">
+            <a:schemeClr val="lt1"/>
+          </a:fontRef>
+        </p:style>
+        <p:txBody>
+          <a:bodyPr rtlCol="0" anchor="ctr"/>
+          <a:lstStyle/>
+          <a:p>
+            <a:r>
+              <a:rPr lang="en-US" b="1" dirty="0"/>
+              <a:t>{</a:t>
+            </a:r>
+          </a:p>
+          <a:p>
+            <a:pPr marL="742950" lvl="1" indent="-285750">
+              <a:buFont typeface="Arial" panose="020B0604020202020204" pitchFamily="34" charset="0"/>
+              <a:buChar char="•"/>
+            </a:pPr>
+            <a:r>
+              <a:rPr lang="en-US" b="1" dirty="0"/>
+              <a:t>Q &amp; A</a:t>
+            </a:r>
+          </a:p>
+          <a:p>
+            <a:pPr marL="742950" lvl="1" indent="-285750">
+              <a:buFont typeface="Arial" panose="020B0604020202020204" pitchFamily="34" charset="0"/>
+              <a:buChar char="•"/>
+            </a:pPr>
+            <a:r>
+              <a:rPr lang="en-US" b="1" dirty="0"/>
+              <a:t>Same as before</a:t>
+            </a:r>
+          </a:p>
+          <a:p>
+            <a:pPr marL="742950" lvl="1" indent="-285750">
+              <a:buFont typeface="Arial" panose="020B0604020202020204" pitchFamily="34" charset="0"/>
+              <a:buChar char="•"/>
+            </a:pPr>
+            <a:r>
+              <a:rPr lang="en-US" b="1" dirty="0"/>
+              <a:t>Revamp the design or keep the OG</a:t>
+            </a:r>
+          </a:p>
+          <a:p>
+            <a:r>
+              <a:rPr lang="en-US" b="1" dirty="0"/>
+              <a:t>}</a:t>
+            </a:r>
+          </a:p>
+        </p:txBody>
+      </p:sp>
+      <p:sp>
+        <p:nvSpPr>
+          <p:cNvPr id="4" name="TextBox 3">
+            <a:extLst>
+              <a:ext uri="{FF2B5EF4-FFF2-40B4-BE49-F238E27FC236}">
+                <a16:creationId xmlns:a16="http://schemas.microsoft.com/office/drawing/2014/main" id="{F259B9EF-2882-3D95-7422-68A27385F852}"/>
+              </a:ext>
+            </a:extLst>
+          </p:cNvPr>
+          <p:cNvSpPr txBox="1"/>
+          <p:nvPr/>
+        </p:nvSpPr>
+        <p:spPr>
+          <a:xfrm>
+            <a:off x="-1" y="0"/>
+            <a:ext cx="4341092" cy="400110"/>
+          </a:xfrm>
+          <a:prstGeom prst="rect">
+            <a:avLst/>
+          </a:prstGeom>
+          <a:noFill/>
+        </p:spPr>
+        <p:txBody>
+          <a:bodyPr wrap="square" rtlCol="0">
+            <a:spAutoFit/>
+          </a:bodyPr>
+          <a:lstStyle/>
+          <a:p>
+            <a:r>
+              <a:rPr lang="en-US" sz="2000" b="1" dirty="0"/>
+              <a:t>guestFAQs.html</a:t>
+            </a:r>
+          </a:p>
+        </p:txBody>
+      </p:sp>
+    </p:spTree>
+    <p:extLst>
+      <p:ext uri="{BB962C8B-B14F-4D97-AF65-F5344CB8AC3E}">
+        <p14:creationId xmlns:p14="http://schemas.microsoft.com/office/powerpoint/2010/main" val="1674249800"/>
+      </p:ext>
+    </p:extLst>
+  </p:cSld>
+  <p:clrMapOvr>
+    <a:masterClrMapping/>
+  </p:clrMapOvr>
+</p:sld>
+</file>
+
+<file path=ppt/slides/slide51.xml><?xml version="1.0" encoding="utf-8"?>
+<p:sld xmlns:a="http://schemas.openxmlformats.org/drawingml/2006/main" xmlns:r="http://schemas.openxmlformats.org/officeDocument/2006/relationships" xmlns:p="http://schemas.openxmlformats.org/presentationml/2006/main">
+  <p:cSld>
+    <p:spTree>
+      <p:nvGrpSpPr>
+        <p:cNvPr id="1" name=""/>
+        <p:cNvGrpSpPr/>
+        <p:nvPr/>
+      </p:nvGrpSpPr>
+      <p:grpSpPr>
+        <a:xfrm>
+          <a:off x="0" y="0"/>
+          <a:ext cx="0" cy="0"/>
+          <a:chOff x="0" y="0"/>
+          <a:chExt cx="0" cy="0"/>
+        </a:xfrm>
+      </p:grpSpPr>
+      <p:sp>
+        <p:nvSpPr>
+          <p:cNvPr id="5" name="Rectangle: Rounded Corners 4">
+            <a:extLst>
+              <a:ext uri="{FF2B5EF4-FFF2-40B4-BE49-F238E27FC236}">
+                <a16:creationId xmlns:a16="http://schemas.microsoft.com/office/drawing/2014/main" id="{BADBB24C-5F57-A411-EB25-4559A2AFDB94}"/>
+              </a:ext>
+            </a:extLst>
+          </p:cNvPr>
+          <p:cNvSpPr/>
+          <p:nvPr/>
+        </p:nvSpPr>
+        <p:spPr>
+          <a:xfrm>
             <a:off x="2039504" y="2029815"/>
             <a:ext cx="8112992" cy="2798370"/>
           </a:xfrm>
@@ -16976,225 +17312,6 @@
     <p:extLst>
       <p:ext uri="{BB962C8B-B14F-4D97-AF65-F5344CB8AC3E}">
         <p14:creationId xmlns:p14="http://schemas.microsoft.com/office/powerpoint/2010/main" val="1097397186"/>
-      </p:ext>
-    </p:extLst>
-  </p:cSld>
-  <p:clrMapOvr>
-    <a:masterClrMapping/>
-  </p:clrMapOvr>
-</p:sld>
-</file>
-
-<file path=ppt/slides/slide51.xml><?xml version="1.0" encoding="utf-8"?>
-<p:sld xmlns:a="http://schemas.openxmlformats.org/drawingml/2006/main" xmlns:r="http://schemas.openxmlformats.org/officeDocument/2006/relationships" xmlns:p="http://schemas.openxmlformats.org/presentationml/2006/main">
-  <p:cSld>
-    <p:spTree>
-      <p:nvGrpSpPr>
-        <p:cNvPr id="1" name=""/>
-        <p:cNvGrpSpPr/>
-        <p:nvPr/>
-      </p:nvGrpSpPr>
-      <p:grpSpPr>
-        <a:xfrm>
-          <a:off x="0" y="0"/>
-          <a:ext cx="0" cy="0"/>
-          <a:chOff x="0" y="0"/>
-          <a:chExt cx="0" cy="0"/>
-        </a:xfrm>
-      </p:grpSpPr>
-      <p:sp>
-        <p:nvSpPr>
-          <p:cNvPr id="5" name="Rectangle: Rounded Corners 4">
-            <a:extLst>
-              <a:ext uri="{FF2B5EF4-FFF2-40B4-BE49-F238E27FC236}">
-                <a16:creationId xmlns:a16="http://schemas.microsoft.com/office/drawing/2014/main" id="{BADBB24C-5F57-A411-EB25-4559A2AFDB94}"/>
-              </a:ext>
-            </a:extLst>
-          </p:cNvPr>
-          <p:cNvSpPr/>
-          <p:nvPr/>
-        </p:nvSpPr>
-        <p:spPr>
-          <a:xfrm>
-            <a:off x="2039504" y="1903907"/>
-            <a:ext cx="8112992" cy="3050185"/>
-          </a:xfrm>
-          <a:prstGeom prst="roundRect">
-            <a:avLst>
-              <a:gd name="adj" fmla="val 8182"/>
-            </a:avLst>
-          </a:prstGeom>
-          <a:solidFill>
-            <a:schemeClr val="accent6">
-              <a:lumMod val="50000"/>
-            </a:schemeClr>
-          </a:solidFill>
-          <a:ln>
-            <a:noFill/>
-          </a:ln>
-        </p:spPr>
-        <p:style>
-          <a:lnRef idx="2">
-            <a:schemeClr val="accent1">
-              <a:shade val="15000"/>
-            </a:schemeClr>
-          </a:lnRef>
-          <a:fillRef idx="1">
-            <a:schemeClr val="accent1"/>
-          </a:fillRef>
-          <a:effectRef idx="0">
-            <a:schemeClr val="accent1"/>
-          </a:effectRef>
-          <a:fontRef idx="minor">
-            <a:schemeClr val="lt1"/>
-          </a:fontRef>
-        </p:style>
-        <p:txBody>
-          <a:bodyPr rtlCol="0" anchor="ctr"/>
-          <a:lstStyle/>
-          <a:p>
-            <a:r>
-              <a:rPr lang="en-US" b="1" dirty="0"/>
-              <a:t>Pending / Completed {</a:t>
-            </a:r>
-          </a:p>
-          <a:p>
-            <a:pPr marL="742950" lvl="1" indent="-285750">
-              <a:buFont typeface="Arial" panose="020B0604020202020204" pitchFamily="34" charset="0"/>
-              <a:buChar char="•"/>
-            </a:pPr>
-            <a:r>
-              <a:rPr lang="en-US" b="1" dirty="0"/>
-              <a:t>List of bookings (Property Name, Address, Date of booking, Status)</a:t>
-            </a:r>
-          </a:p>
-          <a:p>
-            <a:pPr marL="742950" lvl="1" indent="-285750">
-              <a:buFont typeface="Arial" panose="020B0604020202020204" pitchFamily="34" charset="0"/>
-              <a:buChar char="•"/>
-            </a:pPr>
-            <a:r>
-              <a:rPr lang="en-US" b="1" dirty="0"/>
-              <a:t>Onclick (guestViewBooking.html)</a:t>
-            </a:r>
-          </a:p>
-          <a:p>
-            <a:pPr marL="742950" lvl="1" indent="-285750">
-              <a:buFont typeface="Arial" panose="020B0604020202020204" pitchFamily="34" charset="0"/>
-              <a:buChar char="•"/>
-            </a:pPr>
-            <a:r>
-              <a:rPr lang="en-US" b="1" dirty="0"/>
-              <a:t>If (Completed) { Buttons : </a:t>
-            </a:r>
-            <a:r>
-              <a:rPr lang="en-US" b="1" dirty="0" err="1"/>
-              <a:t>RateModal</a:t>
-            </a:r>
-            <a:r>
-              <a:rPr lang="en-US" b="1" dirty="0"/>
-              <a:t> }</a:t>
-            </a:r>
-          </a:p>
-          <a:p>
-            <a:r>
-              <a:rPr lang="en-US" b="1" dirty="0"/>
-              <a:t>}</a:t>
-            </a:r>
-          </a:p>
-          <a:p>
-            <a:endParaRPr lang="en-US" b="1" dirty="0"/>
-          </a:p>
-          <a:p>
-            <a:r>
-              <a:rPr lang="en-US" b="1" dirty="0" err="1"/>
-              <a:t>RateModal</a:t>
-            </a:r>
-            <a:r>
-              <a:rPr lang="en-US" b="1" dirty="0"/>
-              <a:t> {</a:t>
-            </a:r>
-          </a:p>
-          <a:p>
-            <a:pPr marL="742950" lvl="1" indent="-285750">
-              <a:buFont typeface="Arial" panose="020B0604020202020204" pitchFamily="34" charset="0"/>
-              <a:buChar char="•"/>
-            </a:pPr>
-            <a:r>
-              <a:rPr lang="en-US" b="1" dirty="0"/>
-              <a:t>Starts </a:t>
-            </a:r>
-          </a:p>
-          <a:p>
-            <a:pPr marL="742950" lvl="1" indent="-285750">
-              <a:buFont typeface="Arial" panose="020B0604020202020204" pitchFamily="34" charset="0"/>
-              <a:buChar char="•"/>
-            </a:pPr>
-            <a:r>
-              <a:rPr lang="en-US" b="1" dirty="0"/>
-              <a:t>Buttons : </a:t>
-            </a:r>
-            <a:r>
-              <a:rPr lang="en-US" b="1" dirty="0" err="1"/>
-              <a:t>submitBtn</a:t>
-            </a:r>
-            <a:r>
-              <a:rPr lang="en-US" b="1" dirty="0"/>
-              <a:t>, </a:t>
-            </a:r>
-            <a:r>
-              <a:rPr lang="en-US" b="1" dirty="0" err="1"/>
-              <a:t>backBtn</a:t>
-            </a:r>
-            <a:endParaRPr lang="en-US" b="1" dirty="0"/>
-          </a:p>
-          <a:p>
-            <a:r>
-              <a:rPr lang="en-US" b="1" dirty="0"/>
-              <a:t>}</a:t>
-            </a:r>
-          </a:p>
-        </p:txBody>
-      </p:sp>
-      <p:sp>
-        <p:nvSpPr>
-          <p:cNvPr id="4" name="TextBox 3">
-            <a:extLst>
-              <a:ext uri="{FF2B5EF4-FFF2-40B4-BE49-F238E27FC236}">
-                <a16:creationId xmlns:a16="http://schemas.microsoft.com/office/drawing/2014/main" id="{F259B9EF-2882-3D95-7422-68A27385F852}"/>
-              </a:ext>
-            </a:extLst>
-          </p:cNvPr>
-          <p:cNvSpPr txBox="1"/>
-          <p:nvPr/>
-        </p:nvSpPr>
-        <p:spPr>
-          <a:xfrm>
-            <a:off x="-1" y="0"/>
-            <a:ext cx="4341092" cy="400110"/>
-          </a:xfrm>
-          <a:prstGeom prst="rect">
-            <a:avLst/>
-          </a:prstGeom>
-          <a:noFill/>
-        </p:spPr>
-        <p:txBody>
-          <a:bodyPr wrap="square" rtlCol="0">
-            <a:spAutoFit/>
-          </a:bodyPr>
-          <a:lstStyle/>
-          <a:p>
-            <a:r>
-              <a:rPr lang="en-US" sz="2000" b="1" dirty="0"/>
-              <a:t>guestMyBookings.html</a:t>
-            </a:r>
-          </a:p>
-        </p:txBody>
-      </p:sp>
-    </p:spTree>
-    <p:extLst>
-      <p:ext uri="{BB962C8B-B14F-4D97-AF65-F5344CB8AC3E}">
-        <p14:creationId xmlns:p14="http://schemas.microsoft.com/office/powerpoint/2010/main" val="2907826326"/>
       </p:ext>
     </p:extLst>
   </p:cSld>
